--- a/defense/ModelSlides.pptx
+++ b/defense/ModelSlides.pptx
@@ -3732,6 +3732,1181 @@
           <a:chExt cx="0" cy="0"/>
         </a:xfrm>
       </p:grpSpPr>
+      <p:sp>
+        <p:nvSpPr>
+          <p:cNvPr id="3" name="TextBox 2"/>
+          <p:cNvSpPr txBox="1"/>
+          <p:nvPr/>
+        </p:nvSpPr>
+        <p:spPr>
+          <a:xfrm>
+            <a:off x="164592" y="167635"/>
+            <a:ext cx="11684508" cy="492443"/>
+          </a:xfrm>
+          <a:prstGeom prst="rect">
+            <a:avLst/>
+          </a:prstGeom>
+          <a:noFill/>
+        </p:spPr>
+        <p:txBody>
+          <a:bodyPr wrap="square" rtlCol="0">
+            <a:spAutoFit/>
+          </a:bodyPr>
+          <a:lstStyle/>
+          <a:p>
+            <a:r>
+              <a:rPr lang="en-US" sz="2600" b="1" dirty="0">
+                <a:solidFill>
+                  <a:srgbClr val="FF3F7A"/>
+                </a:solidFill>
+                <a:latin typeface="Euclid" panose="02020503060505020303" pitchFamily="18" charset="0"/>
+              </a:rPr>
+              <a:t>Chief rays from the object space to the image space defines the image shape</a:t>
+            </a:r>
+          </a:p>
+        </p:txBody>
+      </p:sp>
+      <p:cxnSp>
+        <p:nvCxnSpPr>
+          <p:cNvPr id="6" name="Straight Connector 5"/>
+          <p:cNvCxnSpPr/>
+          <p:nvPr/>
+        </p:nvCxnSpPr>
+        <p:spPr>
+          <a:xfrm flipV="1">
+            <a:off x="1684520" y="3078259"/>
+            <a:ext cx="7656351" cy="0"/>
+          </a:xfrm>
+          <a:prstGeom prst="line">
+            <a:avLst/>
+          </a:prstGeom>
+          <a:ln w="15875">
+            <a:solidFill>
+              <a:srgbClr val="00B0F0"/>
+            </a:solidFill>
+            <a:prstDash val="dash"/>
+            <a:headEnd type="none" w="med" len="med"/>
+            <a:tailEnd type="none" w="med" len="med"/>
+          </a:ln>
+        </p:spPr>
+        <p:style>
+          <a:lnRef idx="1">
+            <a:schemeClr val="accent1"/>
+          </a:lnRef>
+          <a:fillRef idx="0">
+            <a:schemeClr val="accent1"/>
+          </a:fillRef>
+          <a:effectRef idx="0">
+            <a:schemeClr val="accent1"/>
+          </a:effectRef>
+          <a:fontRef idx="minor">
+            <a:schemeClr val="tx1"/>
+          </a:fontRef>
+        </p:style>
+      </p:cxnSp>
+      <p:grpSp>
+        <p:nvGrpSpPr>
+          <p:cNvPr id="21" name="Group 20"/>
+          <p:cNvGrpSpPr/>
+          <p:nvPr/>
+        </p:nvGrpSpPr>
+        <p:grpSpPr>
+          <a:xfrm>
+            <a:off x="7693292" y="2380048"/>
+            <a:ext cx="183041" cy="1396424"/>
+            <a:chOff x="4940300" y="2271971"/>
+            <a:chExt cx="133350" cy="1017329"/>
+          </a:xfrm>
+        </p:grpSpPr>
+        <p:grpSp>
+          <p:nvGrpSpPr>
+            <p:cNvPr id="14" name="Group 13"/>
+            <p:cNvGrpSpPr/>
+            <p:nvPr/>
+          </p:nvGrpSpPr>
+          <p:grpSpPr>
+            <a:xfrm>
+              <a:off x="4940300" y="2271971"/>
+              <a:ext cx="133350" cy="439479"/>
+              <a:chOff x="4946650" y="1840171"/>
+              <a:chExt cx="133350" cy="439479"/>
+            </a:xfrm>
+          </p:grpSpPr>
+          <p:cxnSp>
+            <p:nvCxnSpPr>
+              <p:cNvPr id="11" name="Straight Connector 10"/>
+              <p:cNvCxnSpPr/>
+              <p:nvPr/>
+            </p:nvCxnSpPr>
+            <p:spPr>
+              <a:xfrm flipH="1">
+                <a:off x="5013325" y="1840171"/>
+                <a:ext cx="0" cy="439479"/>
+              </a:xfrm>
+              <a:prstGeom prst="line">
+                <a:avLst/>
+              </a:prstGeom>
+              <a:ln w="19050">
+                <a:solidFill>
+                  <a:schemeClr val="tx1">
+                    <a:lumMod val="85000"/>
+                    <a:lumOff val="15000"/>
+                  </a:schemeClr>
+                </a:solidFill>
+              </a:ln>
+            </p:spPr>
+            <p:style>
+              <a:lnRef idx="1">
+                <a:schemeClr val="accent1"/>
+              </a:lnRef>
+              <a:fillRef idx="0">
+                <a:schemeClr val="accent1"/>
+              </a:fillRef>
+              <a:effectRef idx="0">
+                <a:schemeClr val="accent1"/>
+              </a:effectRef>
+              <a:fontRef idx="minor">
+                <a:schemeClr val="tx1"/>
+              </a:fontRef>
+            </p:style>
+          </p:cxnSp>
+          <p:cxnSp>
+            <p:nvCxnSpPr>
+              <p:cNvPr id="13" name="Straight Connector 12"/>
+              <p:cNvCxnSpPr/>
+              <p:nvPr/>
+            </p:nvCxnSpPr>
+            <p:spPr>
+              <a:xfrm flipV="1">
+                <a:off x="4946650" y="2279650"/>
+                <a:ext cx="133350" cy="0"/>
+              </a:xfrm>
+              <a:prstGeom prst="line">
+                <a:avLst/>
+              </a:prstGeom>
+              <a:ln w="19050">
+                <a:solidFill>
+                  <a:schemeClr val="tx1">
+                    <a:lumMod val="85000"/>
+                    <a:lumOff val="15000"/>
+                  </a:schemeClr>
+                </a:solidFill>
+              </a:ln>
+            </p:spPr>
+            <p:style>
+              <a:lnRef idx="1">
+                <a:schemeClr val="accent1"/>
+              </a:lnRef>
+              <a:fillRef idx="0">
+                <a:schemeClr val="accent1"/>
+              </a:fillRef>
+              <a:effectRef idx="0">
+                <a:schemeClr val="accent1"/>
+              </a:effectRef>
+              <a:fontRef idx="minor">
+                <a:schemeClr val="tx1"/>
+              </a:fontRef>
+            </p:style>
+          </p:cxnSp>
+        </p:grpSp>
+        <p:grpSp>
+          <p:nvGrpSpPr>
+            <p:cNvPr id="15" name="Group 14"/>
+            <p:cNvGrpSpPr/>
+            <p:nvPr/>
+          </p:nvGrpSpPr>
+          <p:grpSpPr>
+            <a:xfrm flipV="1">
+              <a:off x="4940300" y="2849821"/>
+              <a:ext cx="133350" cy="439479"/>
+              <a:chOff x="4946650" y="1840171"/>
+              <a:chExt cx="133350" cy="439479"/>
+            </a:xfrm>
+          </p:grpSpPr>
+          <p:cxnSp>
+            <p:nvCxnSpPr>
+              <p:cNvPr id="16" name="Straight Connector 15"/>
+              <p:cNvCxnSpPr/>
+              <p:nvPr/>
+            </p:nvCxnSpPr>
+            <p:spPr>
+              <a:xfrm flipH="1">
+                <a:off x="5013325" y="1840171"/>
+                <a:ext cx="0" cy="439479"/>
+              </a:xfrm>
+              <a:prstGeom prst="line">
+                <a:avLst/>
+              </a:prstGeom>
+              <a:ln w="19050">
+                <a:solidFill>
+                  <a:schemeClr val="tx1">
+                    <a:lumMod val="85000"/>
+                    <a:lumOff val="15000"/>
+                  </a:schemeClr>
+                </a:solidFill>
+              </a:ln>
+            </p:spPr>
+            <p:style>
+              <a:lnRef idx="1">
+                <a:schemeClr val="accent1"/>
+              </a:lnRef>
+              <a:fillRef idx="0">
+                <a:schemeClr val="accent1"/>
+              </a:fillRef>
+              <a:effectRef idx="0">
+                <a:schemeClr val="accent1"/>
+              </a:effectRef>
+              <a:fontRef idx="minor">
+                <a:schemeClr val="tx1"/>
+              </a:fontRef>
+            </p:style>
+          </p:cxnSp>
+          <p:cxnSp>
+            <p:nvCxnSpPr>
+              <p:cNvPr id="17" name="Straight Connector 16"/>
+              <p:cNvCxnSpPr/>
+              <p:nvPr/>
+            </p:nvCxnSpPr>
+            <p:spPr>
+              <a:xfrm flipV="1">
+                <a:off x="4946650" y="2279650"/>
+                <a:ext cx="133350" cy="0"/>
+              </a:xfrm>
+              <a:prstGeom prst="line">
+                <a:avLst/>
+              </a:prstGeom>
+              <a:ln w="19050">
+                <a:solidFill>
+                  <a:schemeClr val="tx1">
+                    <a:lumMod val="85000"/>
+                    <a:lumOff val="15000"/>
+                  </a:schemeClr>
+                </a:solidFill>
+              </a:ln>
+            </p:spPr>
+            <p:style>
+              <a:lnRef idx="1">
+                <a:schemeClr val="accent1"/>
+              </a:lnRef>
+              <a:fillRef idx="0">
+                <a:schemeClr val="accent1"/>
+              </a:fillRef>
+              <a:effectRef idx="0">
+                <a:schemeClr val="accent1"/>
+              </a:effectRef>
+              <a:fontRef idx="minor">
+                <a:schemeClr val="tx1"/>
+              </a:fontRef>
+            </p:style>
+          </p:cxnSp>
+        </p:grpSp>
+      </p:grpSp>
+      <p:cxnSp>
+        <p:nvCxnSpPr>
+          <p:cNvPr id="20" name="Straight Connector 19"/>
+          <p:cNvCxnSpPr/>
+          <p:nvPr/>
+        </p:nvCxnSpPr>
+        <p:spPr>
+          <a:xfrm>
+            <a:off x="9344469" y="2380048"/>
+            <a:ext cx="0" cy="1396424"/>
+          </a:xfrm>
+          <a:prstGeom prst="line">
+            <a:avLst/>
+          </a:prstGeom>
+          <a:ln w="15875">
+            <a:solidFill>
+              <a:schemeClr val="tx1">
+                <a:lumMod val="75000"/>
+                <a:lumOff val="25000"/>
+              </a:schemeClr>
+            </a:solidFill>
+          </a:ln>
+        </p:spPr>
+        <p:style>
+          <a:lnRef idx="1">
+            <a:schemeClr val="accent1"/>
+          </a:lnRef>
+          <a:fillRef idx="0">
+            <a:schemeClr val="accent1"/>
+          </a:fillRef>
+          <a:effectRef idx="0">
+            <a:schemeClr val="accent1"/>
+          </a:effectRef>
+          <a:fontRef idx="minor">
+            <a:schemeClr val="tx1"/>
+          </a:fontRef>
+        </p:style>
+      </p:cxnSp>
+      <p:cxnSp>
+        <p:nvCxnSpPr>
+          <p:cNvPr id="26" name="Straight Arrow Connector 25"/>
+          <p:cNvCxnSpPr/>
+          <p:nvPr/>
+        </p:nvCxnSpPr>
+        <p:spPr>
+          <a:xfrm flipH="1" flipV="1">
+            <a:off x="2121752" y="2285081"/>
+            <a:ext cx="0" cy="784462"/>
+          </a:xfrm>
+          <a:prstGeom prst="straightConnector1">
+            <a:avLst/>
+          </a:prstGeom>
+          <a:ln w="53975">
+            <a:solidFill>
+              <a:srgbClr val="FF0000"/>
+            </a:solidFill>
+            <a:headEnd type="oval" w="sm" len="sm"/>
+            <a:tailEnd type="triangle"/>
+          </a:ln>
+        </p:spPr>
+        <p:style>
+          <a:lnRef idx="1">
+            <a:schemeClr val="accent1"/>
+          </a:lnRef>
+          <a:fillRef idx="0">
+            <a:schemeClr val="accent1"/>
+          </a:fillRef>
+          <a:effectRef idx="0">
+            <a:schemeClr val="accent1"/>
+          </a:effectRef>
+          <a:fontRef idx="minor">
+            <a:schemeClr val="tx1"/>
+          </a:fontRef>
+        </p:style>
+      </p:cxnSp>
+      <p:cxnSp>
+        <p:nvCxnSpPr>
+          <p:cNvPr id="27" name="Straight Arrow Connector 26"/>
+          <p:cNvCxnSpPr/>
+          <p:nvPr/>
+        </p:nvCxnSpPr>
+        <p:spPr>
+          <a:xfrm flipH="1">
+            <a:off x="9345696" y="3078259"/>
+            <a:ext cx="0" cy="251028"/>
+          </a:xfrm>
+          <a:prstGeom prst="straightConnector1">
+            <a:avLst/>
+          </a:prstGeom>
+          <a:ln w="38100">
+            <a:solidFill>
+              <a:srgbClr val="FF0000"/>
+            </a:solidFill>
+            <a:headEnd type="oval" w="sm" len="sm"/>
+            <a:tailEnd type="triangle"/>
+          </a:ln>
+        </p:spPr>
+        <p:style>
+          <a:lnRef idx="1">
+            <a:schemeClr val="accent1"/>
+          </a:lnRef>
+          <a:fillRef idx="0">
+            <a:schemeClr val="accent1"/>
+          </a:fillRef>
+          <a:effectRef idx="0">
+            <a:schemeClr val="accent1"/>
+          </a:effectRef>
+          <a:fontRef idx="minor">
+            <a:schemeClr val="tx1"/>
+          </a:fontRef>
+        </p:style>
+      </p:cxnSp>
+      <p:grpSp>
+        <p:nvGrpSpPr>
+          <p:cNvPr id="31" name="Group 30"/>
+          <p:cNvGrpSpPr/>
+          <p:nvPr/>
+        </p:nvGrpSpPr>
+        <p:grpSpPr>
+          <a:xfrm>
+            <a:off x="2113035" y="2293797"/>
+            <a:ext cx="7231433" cy="1003281"/>
+            <a:chOff x="2758947" y="2293797"/>
+            <a:chExt cx="7231433" cy="1003281"/>
+          </a:xfrm>
+        </p:grpSpPr>
+        <p:cxnSp>
+          <p:nvCxnSpPr>
+            <p:cNvPr id="23" name="Straight Connector 22"/>
+            <p:cNvCxnSpPr/>
+            <p:nvPr/>
+          </p:nvCxnSpPr>
+          <p:spPr>
+            <a:xfrm>
+              <a:off x="2758947" y="2293797"/>
+              <a:ext cx="7231433" cy="1003281"/>
+            </a:xfrm>
+            <a:prstGeom prst="line">
+              <a:avLst/>
+            </a:prstGeom>
+            <a:ln w="19050">
+              <a:solidFill>
+                <a:srgbClr val="F52080"/>
+              </a:solidFill>
+            </a:ln>
+          </p:spPr>
+          <p:style>
+            <a:lnRef idx="1">
+              <a:schemeClr val="accent1"/>
+            </a:lnRef>
+            <a:fillRef idx="0">
+              <a:schemeClr val="accent1"/>
+            </a:fillRef>
+            <a:effectRef idx="0">
+              <a:schemeClr val="accent1"/>
+            </a:effectRef>
+            <a:fontRef idx="minor">
+              <a:schemeClr val="tx1"/>
+            </a:fontRef>
+          </p:style>
+        </p:cxnSp>
+        <p:sp>
+          <p:nvSpPr>
+            <p:cNvPr id="29" name="Isosceles Triangle 28"/>
+            <p:cNvSpPr>
+              <a:spLocks noChangeAspect="1"/>
+            </p:cNvSpPr>
+            <p:nvPr/>
+          </p:nvSpPr>
+          <p:spPr>
+            <a:xfrm rot="5816682">
+              <a:off x="4223150" y="2444705"/>
+              <a:ext cx="117015" cy="121937"/>
+            </a:xfrm>
+            <a:prstGeom prst="triangle">
+              <a:avLst/>
+            </a:prstGeom>
+            <a:solidFill>
+              <a:schemeClr val="bg1"/>
+            </a:solidFill>
+            <a:ln w="9525">
+              <a:solidFill>
+                <a:srgbClr val="F52080"/>
+              </a:solidFill>
+            </a:ln>
+          </p:spPr>
+          <p:style>
+            <a:lnRef idx="2">
+              <a:schemeClr val="accent1">
+                <a:shade val="50000"/>
+              </a:schemeClr>
+            </a:lnRef>
+            <a:fillRef idx="1">
+              <a:schemeClr val="accent1"/>
+            </a:fillRef>
+            <a:effectRef idx="0">
+              <a:schemeClr val="accent1"/>
+            </a:effectRef>
+            <a:fontRef idx="minor">
+              <a:schemeClr val="lt1"/>
+            </a:fontRef>
+          </p:style>
+          <p:txBody>
+            <a:bodyPr rtlCol="0" anchor="ctr"/>
+            <a:lstStyle/>
+            <a:p>
+              <a:pPr algn="ctr"/>
+              <a:endParaRPr lang="en-US"/>
+            </a:p>
+          </p:txBody>
+        </p:sp>
+        <p:sp>
+          <p:nvSpPr>
+            <p:cNvPr id="30" name="Isosceles Triangle 29"/>
+            <p:cNvSpPr>
+              <a:spLocks noChangeAspect="1"/>
+            </p:cNvSpPr>
+            <p:nvPr/>
+          </p:nvSpPr>
+          <p:spPr>
+            <a:xfrm rot="5816682">
+              <a:off x="9294882" y="3152285"/>
+              <a:ext cx="117015" cy="121937"/>
+            </a:xfrm>
+            <a:prstGeom prst="triangle">
+              <a:avLst/>
+            </a:prstGeom>
+            <a:solidFill>
+              <a:schemeClr val="bg1"/>
+            </a:solidFill>
+            <a:ln w="9525">
+              <a:solidFill>
+                <a:srgbClr val="F52080"/>
+              </a:solidFill>
+            </a:ln>
+          </p:spPr>
+          <p:style>
+            <a:lnRef idx="2">
+              <a:schemeClr val="accent1">
+                <a:shade val="50000"/>
+              </a:schemeClr>
+            </a:lnRef>
+            <a:fillRef idx="1">
+              <a:schemeClr val="accent1"/>
+            </a:fillRef>
+            <a:effectRef idx="0">
+              <a:schemeClr val="accent1"/>
+            </a:effectRef>
+            <a:fontRef idx="minor">
+              <a:schemeClr val="lt1"/>
+            </a:fontRef>
+          </p:style>
+          <p:txBody>
+            <a:bodyPr rtlCol="0" anchor="ctr"/>
+            <a:lstStyle/>
+            <a:p>
+              <a:pPr algn="ctr"/>
+              <a:endParaRPr lang="en-US"/>
+            </a:p>
+          </p:txBody>
+        </p:sp>
+      </p:grpSp>
+      <p:grpSp>
+        <p:nvGrpSpPr>
+          <p:cNvPr id="34" name="Group 33"/>
+          <p:cNvGrpSpPr/>
+          <p:nvPr/>
+        </p:nvGrpSpPr>
+        <p:grpSpPr>
+          <a:xfrm>
+            <a:off x="7777725" y="1613117"/>
+            <a:ext cx="1410373" cy="1199242"/>
+            <a:chOff x="8423637" y="1613117"/>
+            <a:chExt cx="1410373" cy="1199242"/>
+          </a:xfrm>
+        </p:grpSpPr>
+        <p:sp>
+          <p:nvSpPr>
+            <p:cNvPr id="32" name="Rectangle 31"/>
+            <p:cNvSpPr/>
+            <p:nvPr/>
+          </p:nvSpPr>
+          <p:spPr>
+            <a:xfrm>
+              <a:off x="8694969" y="1613117"/>
+              <a:ext cx="1139041" cy="307777"/>
+            </a:xfrm>
+            <a:prstGeom prst="rect">
+              <a:avLst/>
+            </a:prstGeom>
+          </p:spPr>
+          <p:txBody>
+            <a:bodyPr wrap="square">
+              <a:spAutoFit/>
+            </a:bodyPr>
+            <a:lstStyle/>
+            <a:p>
+              <a:r>
+                <a:rPr lang="en-US" sz="1400" dirty="0">
+                  <a:solidFill>
+                    <a:srgbClr val="17B2B6"/>
+                  </a:solidFill>
+                  <a:latin typeface="Euclid" panose="02020503060505020303" pitchFamily="18" charset="0"/>
+                  <a:ea typeface="Segoe UI Symbol" pitchFamily="34" charset="0"/>
+                </a:rPr>
+                <a:t>Aperture</a:t>
+              </a:r>
+            </a:p>
+          </p:txBody>
+        </p:sp>
+        <p:sp>
+          <p:nvSpPr>
+            <p:cNvPr id="33" name="Arc 32"/>
+            <p:cNvSpPr/>
+            <p:nvPr/>
+          </p:nvSpPr>
+          <p:spPr>
+            <a:xfrm>
+              <a:off x="8423637" y="1742978"/>
+              <a:ext cx="970813" cy="1069381"/>
+            </a:xfrm>
+            <a:prstGeom prst="arc">
+              <a:avLst>
+                <a:gd name="adj1" fmla="val 10724335"/>
+                <a:gd name="adj2" fmla="val 15127636"/>
+              </a:avLst>
+            </a:prstGeom>
+            <a:ln w="6350">
+              <a:solidFill>
+                <a:schemeClr val="tx1">
+                  <a:lumMod val="65000"/>
+                  <a:lumOff val="35000"/>
+                </a:schemeClr>
+              </a:solidFill>
+              <a:headEnd type="triangle" w="sm" len="lg"/>
+              <a:tailEnd type="none" w="med" len="lg"/>
+            </a:ln>
+          </p:spPr>
+          <p:style>
+            <a:lnRef idx="1">
+              <a:schemeClr val="accent1"/>
+            </a:lnRef>
+            <a:fillRef idx="0">
+              <a:schemeClr val="accent1"/>
+            </a:fillRef>
+            <a:effectRef idx="0">
+              <a:schemeClr val="accent1"/>
+            </a:effectRef>
+            <a:fontRef idx="minor">
+              <a:schemeClr val="tx1"/>
+            </a:fontRef>
+          </p:style>
+          <p:txBody>
+            <a:bodyPr rtlCol="0" anchor="ctr"/>
+            <a:lstStyle/>
+            <a:p>
+              <a:pPr algn="ctr"/>
+              <a:endParaRPr lang="en-US"/>
+            </a:p>
+          </p:txBody>
+        </p:sp>
+      </p:grpSp>
+      <p:grpSp>
+        <p:nvGrpSpPr>
+          <p:cNvPr id="35" name="Group 34"/>
+          <p:cNvGrpSpPr/>
+          <p:nvPr/>
+        </p:nvGrpSpPr>
+        <p:grpSpPr>
+          <a:xfrm>
+            <a:off x="9333783" y="1664214"/>
+            <a:ext cx="1410373" cy="1199242"/>
+            <a:chOff x="8423637" y="1613117"/>
+            <a:chExt cx="1410373" cy="1199242"/>
+          </a:xfrm>
+        </p:grpSpPr>
+        <p:sp>
+          <p:nvSpPr>
+            <p:cNvPr id="36" name="Rectangle 35"/>
+            <p:cNvSpPr/>
+            <p:nvPr/>
+          </p:nvSpPr>
+          <p:spPr>
+            <a:xfrm>
+              <a:off x="8694969" y="1613117"/>
+              <a:ext cx="1139041" cy="307777"/>
+            </a:xfrm>
+            <a:prstGeom prst="rect">
+              <a:avLst/>
+            </a:prstGeom>
+          </p:spPr>
+          <p:txBody>
+            <a:bodyPr wrap="square">
+              <a:spAutoFit/>
+            </a:bodyPr>
+            <a:lstStyle/>
+            <a:p>
+              <a:r>
+                <a:rPr lang="en-US" sz="1400" dirty="0">
+                  <a:solidFill>
+                    <a:schemeClr val="tx1">
+                      <a:lumMod val="85000"/>
+                      <a:lumOff val="15000"/>
+                    </a:schemeClr>
+                  </a:solidFill>
+                  <a:latin typeface="Euclid" panose="02020503060505020303" pitchFamily="18" charset="0"/>
+                  <a:ea typeface="Segoe UI Symbol" pitchFamily="34" charset="0"/>
+                </a:rPr>
+                <a:t>Image plane</a:t>
+              </a:r>
+            </a:p>
+          </p:txBody>
+        </p:sp>
+        <p:sp>
+          <p:nvSpPr>
+            <p:cNvPr id="37" name="Arc 36"/>
+            <p:cNvSpPr/>
+            <p:nvPr/>
+          </p:nvSpPr>
+          <p:spPr>
+            <a:xfrm>
+              <a:off x="8423637" y="1742978"/>
+              <a:ext cx="970813" cy="1069381"/>
+            </a:xfrm>
+            <a:prstGeom prst="arc">
+              <a:avLst>
+                <a:gd name="adj1" fmla="val 10724335"/>
+                <a:gd name="adj2" fmla="val 15127636"/>
+              </a:avLst>
+            </a:prstGeom>
+            <a:ln w="6350">
+              <a:solidFill>
+                <a:schemeClr val="tx1">
+                  <a:lumMod val="65000"/>
+                  <a:lumOff val="35000"/>
+                </a:schemeClr>
+              </a:solidFill>
+              <a:headEnd type="triangle" w="sm" len="lg"/>
+              <a:tailEnd type="none" w="med" len="lg"/>
+            </a:ln>
+          </p:spPr>
+          <p:style>
+            <a:lnRef idx="1">
+              <a:schemeClr val="accent1"/>
+            </a:lnRef>
+            <a:fillRef idx="0">
+              <a:schemeClr val="accent1"/>
+            </a:fillRef>
+            <a:effectRef idx="0">
+              <a:schemeClr val="accent1"/>
+            </a:effectRef>
+            <a:fontRef idx="minor">
+              <a:schemeClr val="tx1"/>
+            </a:fontRef>
+          </p:style>
+          <p:txBody>
+            <a:bodyPr rtlCol="0" anchor="ctr"/>
+            <a:lstStyle/>
+            <a:p>
+              <a:pPr algn="ctr"/>
+              <a:endParaRPr lang="en-US"/>
+            </a:p>
+          </p:txBody>
+        </p:sp>
+      </p:grpSp>
+      <mc:AlternateContent xmlns:mc="http://schemas.openxmlformats.org/markup-compatibility/2006">
+        <mc:Choice xmlns:a14="http://schemas.microsoft.com/office/drawing/2010/main" Requires="a14">
+          <p:sp>
+            <p:nvSpPr>
+              <p:cNvPr id="38" name="Rectangle 37"/>
+              <p:cNvSpPr/>
+              <p:nvPr/>
+            </p:nvSpPr>
+            <p:spPr>
+              <a:xfrm>
+                <a:off x="1948217" y="1937628"/>
+                <a:ext cx="329633" cy="357650"/>
+              </a:xfrm>
+              <a:prstGeom prst="rect">
+                <a:avLst/>
+              </a:prstGeom>
+            </p:spPr>
+            <p:txBody>
+              <a:bodyPr wrap="none">
+                <a:spAutoFit/>
+              </a:bodyPr>
+              <a:lstStyle/>
+              <a:p>
+                <a:pPr/>
+                <a14:m>
+                  <m:oMathPara xmlns:m="http://schemas.openxmlformats.org/officeDocument/2006/math">
+                    <m:oMathParaPr>
+                      <m:jc m:val="centerGroup"/>
+                    </m:oMathParaPr>
+                    <m:oMath xmlns:m="http://schemas.openxmlformats.org/officeDocument/2006/math">
+                      <m:r>
+                        <m:rPr>
+                          <m:nor/>
+                        </m:rPr>
+                        <a:rPr lang="en-US" sz="1900" b="1">
+                          <a:solidFill>
+                            <a:srgbClr val="3A9AFF"/>
+                          </a:solidFill>
+                          <a:latin typeface="Cambria Math" panose="02040503050406030204" pitchFamily="18" charset="0"/>
+                        </a:rPr>
+                        <m:t>x</m:t>
+                      </m:r>
+                    </m:oMath>
+                  </m:oMathPara>
+                </a14:m>
+                <a:endParaRPr lang="en-US" sz="1900" dirty="0"/>
+              </a:p>
+            </p:txBody>
+          </p:sp>
+        </mc:Choice>
+        <mc:Fallback>
+          <p:sp>
+            <p:nvSpPr>
+              <p:cNvPr id="38" name="Rectangle 37"/>
+              <p:cNvSpPr>
+                <a:spLocks noRot="1" noChangeAspect="1" noMove="1" noResize="1" noEditPoints="1" noAdjustHandles="1" noChangeArrowheads="1" noChangeShapeType="1" noTextEdit="1"/>
+              </p:cNvSpPr>
+              <p:nvPr/>
+            </p:nvSpPr>
+            <p:spPr>
+              <a:xfrm>
+                <a:off x="1948217" y="1937628"/>
+                <a:ext cx="329633" cy="357650"/>
+              </a:xfrm>
+              <a:prstGeom prst="rect">
+                <a:avLst/>
+              </a:prstGeom>
+              <a:blipFill>
+                <a:blip r:embed="rId2"/>
+                <a:stretch>
+                  <a:fillRect/>
+                </a:stretch>
+              </a:blipFill>
+            </p:spPr>
+            <p:txBody>
+              <a:bodyPr/>
+              <a:lstStyle/>
+              <a:p>
+                <a:r>
+                  <a:rPr lang="en-US">
+                    <a:noFill/>
+                  </a:rPr>
+                  <a:t> </a:t>
+                </a:r>
+              </a:p>
+            </p:txBody>
+          </p:sp>
+        </mc:Fallback>
+      </mc:AlternateContent>
+      <p:sp>
+        <p:nvSpPr>
+          <p:cNvPr id="39" name="TextBox 38"/>
+          <p:cNvSpPr txBox="1"/>
+          <p:nvPr/>
+        </p:nvSpPr>
+        <p:spPr>
+          <a:xfrm>
+            <a:off x="3705779" y="2795437"/>
+            <a:ext cx="1048685" cy="307777"/>
+          </a:xfrm>
+          <a:prstGeom prst="rect">
+            <a:avLst/>
+          </a:prstGeom>
+          <a:noFill/>
+        </p:spPr>
+        <p:txBody>
+          <a:bodyPr wrap="none" rtlCol="0">
+            <a:spAutoFit/>
+          </a:bodyPr>
+          <a:lstStyle/>
+          <a:p>
+            <a:r>
+              <a:rPr lang="en-US" sz="1400" dirty="0">
+                <a:solidFill>
+                  <a:schemeClr val="tx1">
+                    <a:lumMod val="75000"/>
+                    <a:lumOff val="25000"/>
+                  </a:schemeClr>
+                </a:solidFill>
+                <a:latin typeface="Times New Roman" panose="02020603050405020304" pitchFamily="18" charset="0"/>
+                <a:cs typeface="Times New Roman" panose="02020603050405020304" pitchFamily="18" charset="0"/>
+              </a:rPr>
+              <a:t>Optical axis</a:t>
+            </a:r>
+          </a:p>
+        </p:txBody>
+      </p:sp>
+      <p:sp>
+        <p:nvSpPr>
+          <p:cNvPr id="40" name="TextBox 39"/>
+          <p:cNvSpPr txBox="1"/>
+          <p:nvPr/>
+        </p:nvSpPr>
+        <p:spPr>
+          <a:xfrm>
+            <a:off x="1447845" y="2571124"/>
+            <a:ext cx="663964" cy="307777"/>
+          </a:xfrm>
+          <a:prstGeom prst="rect">
+            <a:avLst/>
+          </a:prstGeom>
+          <a:noFill/>
+        </p:spPr>
+        <p:txBody>
+          <a:bodyPr wrap="none" rtlCol="0">
+            <a:spAutoFit/>
+          </a:bodyPr>
+          <a:lstStyle/>
+          <a:p>
+            <a:r>
+              <a:rPr lang="en-US" sz="1400" dirty="0">
+                <a:solidFill>
+                  <a:schemeClr val="tx1">
+                    <a:lumMod val="75000"/>
+                    <a:lumOff val="25000"/>
+                  </a:schemeClr>
+                </a:solidFill>
+                <a:latin typeface="Times New Roman" panose="02020603050405020304" pitchFamily="18" charset="0"/>
+                <a:cs typeface="Times New Roman" panose="02020603050405020304" pitchFamily="18" charset="0"/>
+              </a:rPr>
+              <a:t>Object</a:t>
+            </a:r>
+          </a:p>
+        </p:txBody>
+      </p:sp>
+      <p:sp>
+        <p:nvSpPr>
+          <p:cNvPr id="41" name="TextBox 40"/>
+          <p:cNvSpPr txBox="1"/>
+          <p:nvPr/>
+        </p:nvSpPr>
+        <p:spPr>
+          <a:xfrm>
+            <a:off x="9398804" y="2989301"/>
+            <a:ext cx="633507" cy="307777"/>
+          </a:xfrm>
+          <a:prstGeom prst="rect">
+            <a:avLst/>
+          </a:prstGeom>
+          <a:noFill/>
+        </p:spPr>
+        <p:txBody>
+          <a:bodyPr wrap="none" rtlCol="0">
+            <a:spAutoFit/>
+          </a:bodyPr>
+          <a:lstStyle/>
+          <a:p>
+            <a:r>
+              <a:rPr lang="en-US" sz="1400" dirty="0">
+                <a:solidFill>
+                  <a:schemeClr val="tx1">
+                    <a:lumMod val="75000"/>
+                    <a:lumOff val="25000"/>
+                  </a:schemeClr>
+                </a:solidFill>
+                <a:latin typeface="Times New Roman" panose="02020603050405020304" pitchFamily="18" charset="0"/>
+                <a:cs typeface="Times New Roman" panose="02020603050405020304" pitchFamily="18" charset="0"/>
+              </a:rPr>
+              <a:t>Image</a:t>
+            </a:r>
+          </a:p>
+        </p:txBody>
+      </p:sp>
+      <mc:AlternateContent xmlns:mc="http://schemas.openxmlformats.org/markup-compatibility/2006">
+        <mc:Choice xmlns:a14="http://schemas.microsoft.com/office/drawing/2010/main" Requires="a14">
+          <p:sp>
+            <p:nvSpPr>
+              <p:cNvPr id="42" name="Rectangle 41"/>
+              <p:cNvSpPr/>
+              <p:nvPr/>
+            </p:nvSpPr>
+            <p:spPr>
+              <a:xfrm>
+                <a:off x="9268611" y="3191766"/>
+                <a:ext cx="335594" cy="357650"/>
+              </a:xfrm>
+              <a:prstGeom prst="rect">
+                <a:avLst/>
+              </a:prstGeom>
+            </p:spPr>
+            <p:txBody>
+              <a:bodyPr wrap="none">
+                <a:spAutoFit/>
+              </a:bodyPr>
+              <a:lstStyle/>
+              <a:p>
+                <a:pPr/>
+                <a14:m>
+                  <m:oMathPara xmlns:m="http://schemas.openxmlformats.org/officeDocument/2006/math">
+                    <m:oMathParaPr>
+                      <m:jc m:val="centerGroup"/>
+                    </m:oMathParaPr>
+                    <m:oMath xmlns:m="http://schemas.openxmlformats.org/officeDocument/2006/math">
+                      <m:acc>
+                        <m:accPr>
+                          <m:chr m:val="́"/>
+                          <m:ctrlPr>
+                            <a:rPr lang="en-US" sz="1900" i="1" smtClean="0">
+                              <a:solidFill>
+                                <a:srgbClr val="00B050"/>
+                              </a:solidFill>
+                              <a:latin typeface="Cambria Math" panose="02040503050406030204" pitchFamily="18" charset="0"/>
+                            </a:rPr>
+                          </m:ctrlPr>
+                        </m:accPr>
+                        <m:e>
+                          <m:r>
+                            <m:rPr>
+                              <m:nor/>
+                            </m:rPr>
+                            <a:rPr lang="en-US" sz="1900" b="1">
+                              <a:solidFill>
+                                <a:srgbClr val="00B050"/>
+                              </a:solidFill>
+                              <a:latin typeface="Times New Roman" panose="02020603050405020304" pitchFamily="18" charset="0"/>
+                              <a:cs typeface="Times New Roman" panose="02020603050405020304" pitchFamily="18" charset="0"/>
+                            </a:rPr>
+                            <m:t>x</m:t>
+                          </m:r>
+                        </m:e>
+                      </m:acc>
+                    </m:oMath>
+                  </m:oMathPara>
+                </a14:m>
+                <a:endParaRPr lang="en-US" sz="1900" dirty="0">
+                  <a:solidFill>
+                    <a:srgbClr val="00B050"/>
+                  </a:solidFill>
+                </a:endParaRPr>
+              </a:p>
+            </p:txBody>
+          </p:sp>
+        </mc:Choice>
+        <mc:Fallback>
+          <p:sp>
+            <p:nvSpPr>
+              <p:cNvPr id="42" name="Rectangle 41"/>
+              <p:cNvSpPr>
+                <a:spLocks noRot="1" noChangeAspect="1" noMove="1" noResize="1" noEditPoints="1" noAdjustHandles="1" noChangeArrowheads="1" noChangeShapeType="1" noTextEdit="1"/>
+              </p:cNvSpPr>
+              <p:nvPr/>
+            </p:nvSpPr>
+            <p:spPr>
+              <a:xfrm>
+                <a:off x="9268611" y="3191766"/>
+                <a:ext cx="335594" cy="357650"/>
+              </a:xfrm>
+              <a:prstGeom prst="rect">
+                <a:avLst/>
+              </a:prstGeom>
+              <a:blipFill>
+                <a:blip r:embed="rId3"/>
+                <a:stretch>
+                  <a:fillRect t="-1724" r="-32727"/>
+                </a:stretch>
+              </a:blipFill>
+            </p:spPr>
+            <p:txBody>
+              <a:bodyPr/>
+              <a:lstStyle/>
+              <a:p>
+                <a:r>
+                  <a:rPr lang="en-US">
+                    <a:noFill/>
+                  </a:rPr>
+                  <a:t> </a:t>
+                </a:r>
+              </a:p>
+            </p:txBody>
+          </p:sp>
+        </mc:Fallback>
+      </mc:AlternateContent>
+      <p:grpSp>
+        <p:nvGrpSpPr>
+          <p:cNvPr id="43" name="Group 42"/>
+          <p:cNvGrpSpPr/>
+          <p:nvPr/>
+        </p:nvGrpSpPr>
+        <p:grpSpPr>
+          <a:xfrm>
+            <a:off x="4400649" y="1908385"/>
+            <a:ext cx="1410373" cy="1199242"/>
+            <a:chOff x="8423637" y="1613117"/>
+            <a:chExt cx="1410373" cy="1199242"/>
+          </a:xfrm>
+        </p:grpSpPr>
+        <p:sp>
+          <p:nvSpPr>
+            <p:cNvPr id="44" name="Rectangle 43"/>
+            <p:cNvSpPr/>
+            <p:nvPr/>
+          </p:nvSpPr>
+          <p:spPr>
+            <a:xfrm>
+              <a:off x="8694969" y="1613117"/>
+              <a:ext cx="1139041" cy="307777"/>
+            </a:xfrm>
+            <a:prstGeom prst="rect">
+              <a:avLst/>
+            </a:prstGeom>
+          </p:spPr>
+          <p:txBody>
+            <a:bodyPr wrap="square">
+              <a:spAutoFit/>
+            </a:bodyPr>
+            <a:lstStyle/>
+            <a:p>
+              <a:r>
+                <a:rPr lang="en-US" sz="1400" dirty="0">
+                  <a:solidFill>
+                    <a:srgbClr val="17B2B6"/>
+                  </a:solidFill>
+                  <a:latin typeface="Euclid" panose="02020503060505020303" pitchFamily="18" charset="0"/>
+                  <a:ea typeface="Segoe UI Symbol" pitchFamily="34" charset="0"/>
+                </a:rPr>
+                <a:t>Chief ray</a:t>
+              </a:r>
+            </a:p>
+          </p:txBody>
+        </p:sp>
+        <p:sp>
+          <p:nvSpPr>
+            <p:cNvPr id="45" name="Arc 44"/>
+            <p:cNvSpPr/>
+            <p:nvPr/>
+          </p:nvSpPr>
+          <p:spPr>
+            <a:xfrm>
+              <a:off x="8423637" y="1742978"/>
+              <a:ext cx="970813" cy="1069381"/>
+            </a:xfrm>
+            <a:prstGeom prst="arc">
+              <a:avLst>
+                <a:gd name="adj1" fmla="val 10724335"/>
+                <a:gd name="adj2" fmla="val 15127636"/>
+              </a:avLst>
+            </a:prstGeom>
+            <a:ln w="6350">
+              <a:solidFill>
+                <a:schemeClr val="tx1">
+                  <a:lumMod val="65000"/>
+                  <a:lumOff val="35000"/>
+                </a:schemeClr>
+              </a:solidFill>
+              <a:headEnd type="triangle" w="sm" len="lg"/>
+              <a:tailEnd type="none" w="med" len="lg"/>
+            </a:ln>
+          </p:spPr>
+          <p:style>
+            <a:lnRef idx="1">
+              <a:schemeClr val="accent1"/>
+            </a:lnRef>
+            <a:fillRef idx="0">
+              <a:schemeClr val="accent1"/>
+            </a:fillRef>
+            <a:effectRef idx="0">
+              <a:schemeClr val="accent1"/>
+            </a:effectRef>
+            <a:fontRef idx="minor">
+              <a:schemeClr val="tx1"/>
+            </a:fontRef>
+          </p:style>
+          <p:txBody>
+            <a:bodyPr rtlCol="0" anchor="ctr"/>
+            <a:lstStyle/>
+            <a:p>
+              <a:pPr algn="ctr"/>
+              <a:endParaRPr lang="en-US"/>
+            </a:p>
+          </p:txBody>
+        </p:sp>
+      </p:grpSp>
+      <p:pic>
+        <p:nvPicPr>
+          <p:cNvPr id="47" name="Picture 46"/>
+          <p:cNvPicPr>
+            <a:picLocks noChangeAspect="1"/>
+          </p:cNvPicPr>
+          <p:nvPr/>
+        </p:nvPicPr>
+        <p:blipFill rotWithShape="1">
+          <a:blip r:embed="rId4" cstate="hqprint">
+            <a:extLst>
+              <a:ext uri="{28A0092B-C50C-407E-A947-70E740481C1C}">
+                <a14:useLocalDpi xmlns:a14="http://schemas.microsoft.com/office/drawing/2010/main" val="0"/>
+              </a:ext>
+            </a:extLst>
+          </a:blip>
+          <a:srcRect l="448" t="1017" r="66393" b="50007"/>
+          <a:stretch/>
+        </p:blipFill>
+        <p:spPr>
+          <a:xfrm>
+            <a:off x="8951916" y="4965926"/>
+            <a:ext cx="1371600" cy="1402931"/>
+          </a:xfrm>
+          <a:prstGeom prst="rect">
+            <a:avLst/>
+          </a:prstGeom>
+        </p:spPr>
+      </p:pic>
     </p:spTree>
     <p:extLst>
       <p:ext uri="{BB962C8B-B14F-4D97-AF65-F5344CB8AC3E}">
@@ -4126,7 +5301,7 @@
           <a:lstStyle/>
           <a:p>
             <a:r>
-              <a:rPr lang="en-US" sz="2600" b="1">
+              <a:rPr lang="en-US" sz="2600" b="1" dirty="0">
                 <a:solidFill>
                   <a:srgbClr val="FF3F7A"/>
                 </a:solidFill>
@@ -4137,7 +5312,7 @@
           </a:p>
           <a:p>
             <a:r>
-              <a:rPr lang="en-US" sz="2600" b="1">
+              <a:rPr lang="en-US" sz="2600" b="1" dirty="0">
                 <a:solidFill>
                   <a:srgbClr val="FF3F7A"/>
                 </a:solidFill>
@@ -4145,12 +5320,6 @@
               </a:rPr>
               <a:t>and the “exit pupil” is the image of the stop formed by the rear lens elements </a:t>
             </a:r>
-            <a:endParaRPr lang="en-US" sz="2600" b="1" dirty="0">
-              <a:solidFill>
-                <a:srgbClr val="FF3F7A"/>
-              </a:solidFill>
-              <a:latin typeface="Euclid" panose="02020503060505020303" pitchFamily="18" charset="0"/>
-            </a:endParaRPr>
           </a:p>
         </p:txBody>
       </p:sp>
@@ -4282,7 +5451,7 @@
           <a:lstStyle/>
           <a:p>
             <a:r>
-              <a:rPr lang="en-US" sz="2600" b="1">
+              <a:rPr lang="en-US" sz="2600" b="1" dirty="0">
                 <a:solidFill>
                   <a:srgbClr val="FF3F7A"/>
                 </a:solidFill>
@@ -4290,12 +5459,6 @@
               </a:rPr>
               <a:t>Everything in optics makes sense in light of the pupils</a:t>
             </a:r>
-            <a:endParaRPr lang="en-US" sz="2600" b="1" dirty="0">
-              <a:solidFill>
-                <a:srgbClr val="FF3F7A"/>
-              </a:solidFill>
-              <a:latin typeface="Euclid" panose="02020503060505020303" pitchFamily="18" charset="0"/>
-            </a:endParaRPr>
           </a:p>
         </p:txBody>
       </p:sp>
@@ -4408,8 +5571,8 @@
           </a:p>
         </p:txBody>
       </p:sp>
-      <mc:AlternateContent xmlns:mc="http://schemas.openxmlformats.org/markup-compatibility/2006">
-        <mc:Choice xmlns:a14="http://schemas.microsoft.com/office/drawing/2010/main" Requires="a14">
+      <mc:AlternateContent xmlns:mc="http://schemas.openxmlformats.org/markup-compatibility/2006" xmlns:a14="http://schemas.microsoft.com/office/drawing/2010/main">
+        <mc:Choice Requires="a14">
           <p:sp>
             <p:nvSpPr>
               <p:cNvPr id="3" name="TextBox 2"/>
@@ -4509,7 +5672,7 @@
             </p:txBody>
           </p:sp>
         </mc:Choice>
-        <mc:Fallback>
+        <mc:Fallback xmlns="">
           <p:sp>
             <p:nvSpPr>
               <p:cNvPr id="3" name="TextBox 2"/>
@@ -4657,8 +5820,8 @@
           </p:txBody>
         </p:sp>
       </p:grpSp>
-      <mc:AlternateContent xmlns:mc="http://schemas.openxmlformats.org/markup-compatibility/2006">
-        <mc:Choice xmlns:a14="http://schemas.microsoft.com/office/drawing/2010/main" Requires="a14">
+      <mc:AlternateContent xmlns:mc="http://schemas.openxmlformats.org/markup-compatibility/2006" xmlns:a14="http://schemas.microsoft.com/office/drawing/2010/main">
+        <mc:Choice Requires="a14">
           <p:sp>
             <p:nvSpPr>
               <p:cNvPr id="177" name="Rectangle 176"/>
@@ -4971,7 +6134,7 @@
             </p:txBody>
           </p:sp>
         </mc:Choice>
-        <mc:Fallback>
+        <mc:Fallback xmlns="">
           <p:sp>
             <p:nvSpPr>
               <p:cNvPr id="177" name="Rectangle 176"/>
@@ -5227,8 +6390,8 @@
           </a:fontRef>
         </p:style>
       </p:cxnSp>
-      <mc:AlternateContent xmlns:mc="http://schemas.openxmlformats.org/markup-compatibility/2006">
-        <mc:Choice xmlns:a14="http://schemas.microsoft.com/office/drawing/2010/main" Requires="a14">
+      <mc:AlternateContent xmlns:mc="http://schemas.openxmlformats.org/markup-compatibility/2006" xmlns:a14="http://schemas.microsoft.com/office/drawing/2010/main">
+        <mc:Choice Requires="a14">
           <p:sp>
             <p:nvSpPr>
               <p:cNvPr id="237" name="TextBox 236" hidden="1"/>
@@ -5272,7 +6435,7 @@
             </p:txBody>
           </p:sp>
         </mc:Choice>
-        <mc:Fallback>
+        <mc:Fallback xmlns="">
           <p:sp>
             <p:nvSpPr>
               <p:cNvPr id="237" name="TextBox 236" hidden="1"/>
@@ -5311,8 +6474,8 @@
           </p:sp>
         </mc:Fallback>
       </mc:AlternateContent>
-      <mc:AlternateContent xmlns:mc="http://schemas.openxmlformats.org/markup-compatibility/2006">
-        <mc:Choice xmlns:a14="http://schemas.microsoft.com/office/drawing/2010/main" Requires="a14">
+      <mc:AlternateContent xmlns:mc="http://schemas.openxmlformats.org/markup-compatibility/2006" xmlns:a14="http://schemas.microsoft.com/office/drawing/2010/main">
+        <mc:Choice Requires="a14">
           <p:sp>
             <p:nvSpPr>
               <p:cNvPr id="238" name="TextBox 237" hidden="1"/>
@@ -5368,7 +6531,7 @@
             </p:txBody>
           </p:sp>
         </mc:Choice>
-        <mc:Fallback>
+        <mc:Fallback xmlns="">
           <p:sp>
             <p:nvSpPr>
               <p:cNvPr id="238" name="TextBox 237" hidden="1"/>
@@ -5407,8 +6570,8 @@
           </p:sp>
         </mc:Fallback>
       </mc:AlternateContent>
-      <mc:AlternateContent xmlns:mc="http://schemas.openxmlformats.org/markup-compatibility/2006">
-        <mc:Choice xmlns:a14="http://schemas.microsoft.com/office/drawing/2010/main" Requires="a14">
+      <mc:AlternateContent xmlns:mc="http://schemas.openxmlformats.org/markup-compatibility/2006" xmlns:a14="http://schemas.microsoft.com/office/drawing/2010/main">
+        <mc:Choice Requires="a14">
           <p:sp>
             <p:nvSpPr>
               <p:cNvPr id="202" name="TextBox 201" hidden="1"/>
@@ -5471,7 +6634,7 @@
             </p:txBody>
           </p:sp>
         </mc:Choice>
-        <mc:Fallback>
+        <mc:Fallback xmlns="">
           <p:sp>
             <p:nvSpPr>
               <p:cNvPr id="202" name="TextBox 201" hidden="1"/>
@@ -5709,8 +6872,8 @@
             </a:fontRef>
           </p:style>
         </p:cxnSp>
-        <mc:AlternateContent xmlns:mc="http://schemas.openxmlformats.org/markup-compatibility/2006">
-          <mc:Choice xmlns:a14="http://schemas.microsoft.com/office/drawing/2010/main" Requires="a14">
+        <mc:AlternateContent xmlns:mc="http://schemas.openxmlformats.org/markup-compatibility/2006" xmlns:a14="http://schemas.microsoft.com/office/drawing/2010/main">
+          <mc:Choice Requires="a14">
             <p:sp>
               <p:nvSpPr>
                 <p:cNvPr id="234" name="Text Box 15"/>
@@ -5794,7 +6957,7 @@
               </p:txBody>
             </p:sp>
           </mc:Choice>
-          <mc:Fallback>
+          <mc:Fallback xmlns="">
             <p:sp>
               <p:nvSpPr>
                 <p:cNvPr id="234" name="Text Box 15"/>
@@ -5877,8 +7040,8 @@
             </a:fontRef>
           </p:style>
         </p:cxnSp>
-        <mc:AlternateContent xmlns:mc="http://schemas.openxmlformats.org/markup-compatibility/2006">
-          <mc:Choice xmlns:a14="http://schemas.microsoft.com/office/drawing/2010/main" Requires="a14">
+        <mc:AlternateContent xmlns:mc="http://schemas.openxmlformats.org/markup-compatibility/2006" xmlns:a14="http://schemas.microsoft.com/office/drawing/2010/main">
+          <mc:Choice Requires="a14">
             <p:sp>
               <p:nvSpPr>
                 <p:cNvPr id="235" name="Text Box 15"/>
@@ -5977,7 +7140,7 @@
               </p:txBody>
             </p:sp>
           </mc:Choice>
-          <mc:Fallback>
+          <mc:Fallback xmlns="">
             <p:sp>
               <p:nvSpPr>
                 <p:cNvPr id="235" name="Text Box 15"/>
@@ -6173,8 +7336,8 @@
             </a:p>
           </p:txBody>
         </p:sp>
-        <mc:AlternateContent xmlns:mc="http://schemas.openxmlformats.org/markup-compatibility/2006">
-          <mc:Choice xmlns:a14="http://schemas.microsoft.com/office/drawing/2010/main" Requires="a14">
+        <mc:AlternateContent xmlns:mc="http://schemas.openxmlformats.org/markup-compatibility/2006" xmlns:a14="http://schemas.microsoft.com/office/drawing/2010/main">
+          <mc:Choice Requires="a14">
             <p:sp>
               <p:nvSpPr>
                 <p:cNvPr id="241" name="TextBox 240"/>
@@ -6225,7 +7388,7 @@
               </p:txBody>
             </p:sp>
           </mc:Choice>
-          <mc:Fallback>
+          <mc:Fallback xmlns="">
             <p:sp>
               <p:nvSpPr>
                 <p:cNvPr id="241" name="TextBox 240"/>
@@ -6264,8 +7427,8 @@
             </p:sp>
           </mc:Fallback>
         </mc:AlternateContent>
-        <mc:AlternateContent xmlns:mc="http://schemas.openxmlformats.org/markup-compatibility/2006">
-          <mc:Choice xmlns:a14="http://schemas.microsoft.com/office/drawing/2010/main" Requires="a14">
+        <mc:AlternateContent xmlns:mc="http://schemas.openxmlformats.org/markup-compatibility/2006" xmlns:a14="http://schemas.microsoft.com/office/drawing/2010/main">
+          <mc:Choice Requires="a14">
             <p:sp>
               <p:nvSpPr>
                 <p:cNvPr id="242" name="TextBox 241"/>
@@ -6315,6 +7478,7 @@
                                 <a:solidFill>
                                   <a:srgbClr val="F52080"/>
                                 </a:solidFill>
+                                <a:latin typeface="Cambria Math" panose="02040503050406030204" pitchFamily="18" charset="0"/>
                               </a:rPr>
                             </m:ctrlPr>
                           </m:accPr>
@@ -6324,6 +7488,7 @@
                                 <a:solidFill>
                                   <a:srgbClr val="F52080"/>
                                 </a:solidFill>
+                                <a:latin typeface="Cambria Math" panose="02040503050406030204" pitchFamily="18" charset="0"/>
                               </a:rPr>
                               <m:t>𝒍</m:t>
                             </m:r>
@@ -6337,7 +7502,7 @@
               </p:txBody>
             </p:sp>
           </mc:Choice>
-          <mc:Fallback>
+          <mc:Fallback xmlns="">
             <p:sp>
               <p:nvSpPr>
                 <p:cNvPr id="242" name="TextBox 241"/>
@@ -6902,8 +8067,8 @@
                 </a:fontRef>
               </p:style>
             </p:cxnSp>
-            <mc:AlternateContent xmlns:mc="http://schemas.openxmlformats.org/markup-compatibility/2006">
-              <mc:Choice xmlns:a14="http://schemas.microsoft.com/office/drawing/2010/main" Requires="a14">
+            <mc:AlternateContent xmlns:mc="http://schemas.openxmlformats.org/markup-compatibility/2006" xmlns:a14="http://schemas.microsoft.com/office/drawing/2010/main">
+              <mc:Choice Requires="a14">
                 <p:sp>
                   <p:nvSpPr>
                     <p:cNvPr id="221" name="TextBox 220"/>
@@ -6994,7 +8159,7 @@
                   </p:txBody>
                 </p:sp>
               </mc:Choice>
-              <mc:Fallback>
+              <mc:Fallback xmlns="">
                 <p:sp>
                   <p:nvSpPr>
                     <p:cNvPr id="221" name="TextBox 220"/>
@@ -7033,8 +8198,8 @@
                 </p:sp>
               </mc:Fallback>
             </mc:AlternateContent>
-            <mc:AlternateContent xmlns:mc="http://schemas.openxmlformats.org/markup-compatibility/2006">
-              <mc:Choice xmlns:a14="http://schemas.microsoft.com/office/drawing/2010/main" Requires="a14">
+            <mc:AlternateContent xmlns:mc="http://schemas.openxmlformats.org/markup-compatibility/2006" xmlns:a14="http://schemas.microsoft.com/office/drawing/2010/main">
+              <mc:Choice Requires="a14">
                 <p:sp>
                   <p:nvSpPr>
                     <p:cNvPr id="222" name="TextBox 221"/>
@@ -7125,7 +8290,7 @@
                   </p:txBody>
                 </p:sp>
               </mc:Choice>
-              <mc:Fallback>
+              <mc:Fallback xmlns="">
                 <p:sp>
                   <p:nvSpPr>
                     <p:cNvPr id="222" name="TextBox 221"/>
@@ -7165,8 +8330,8 @@
               </mc:Fallback>
             </mc:AlternateContent>
           </p:grpSp>
-          <mc:AlternateContent xmlns:mc="http://schemas.openxmlformats.org/markup-compatibility/2006">
-            <mc:Choice xmlns:a14="http://schemas.microsoft.com/office/drawing/2010/main" Requires="a14">
+          <mc:AlternateContent xmlns:mc="http://schemas.openxmlformats.org/markup-compatibility/2006" xmlns:a14="http://schemas.microsoft.com/office/drawing/2010/main">
+            <mc:Choice Requires="a14">
               <p:sp>
                 <p:nvSpPr>
                   <p:cNvPr id="218" name="TextBox 217" hidden="1"/>
@@ -7223,7 +8388,7 @@
                 </p:txBody>
               </p:sp>
             </mc:Choice>
-            <mc:Fallback>
+            <mc:Fallback xmlns="">
               <p:sp>
                 <p:nvSpPr>
                   <p:cNvPr id="218" name="TextBox 217" hidden="1"/>
@@ -7725,8 +8890,8 @@
             </a:p>
           </p:txBody>
         </p:sp>
-        <mc:AlternateContent xmlns:mc="http://schemas.openxmlformats.org/markup-compatibility/2006">
-          <mc:Choice xmlns:a14="http://schemas.microsoft.com/office/drawing/2010/main" Requires="a14">
+        <mc:AlternateContent xmlns:mc="http://schemas.openxmlformats.org/markup-compatibility/2006" xmlns:a14="http://schemas.microsoft.com/office/drawing/2010/main">
+          <mc:Choice Requires="a14">
             <p:sp>
               <p:nvSpPr>
                 <p:cNvPr id="9" name="Rectangle 8"/>
@@ -7748,6 +8913,7 @@
                 </a:bodyPr>
                 <a:lstStyle/>
                 <a:p>
+                  <a:pPr/>
                   <a14:m>
                     <m:oMathPara xmlns:m="http://schemas.openxmlformats.org/officeDocument/2006/math">
                       <m:oMathParaPr>
@@ -7774,7 +8940,7 @@
               </p:txBody>
             </p:sp>
           </mc:Choice>
-          <mc:Fallback>
+          <mc:Fallback xmlns="">
             <p:sp>
               <p:nvSpPr>
                 <p:cNvPr id="9" name="Rectangle 8"/>
@@ -8019,8 +9185,8 @@
           </p:sp>
         </p:grpSp>
       </p:grpSp>
-      <mc:AlternateContent xmlns:mc="http://schemas.openxmlformats.org/markup-compatibility/2006">
-        <mc:Choice xmlns:a14="http://schemas.microsoft.com/office/drawing/2010/main" Requires="a14">
+      <mc:AlternateContent xmlns:mc="http://schemas.openxmlformats.org/markup-compatibility/2006" xmlns:a14="http://schemas.microsoft.com/office/drawing/2010/main">
+        <mc:Choice Requires="a14">
           <p:sp>
             <p:nvSpPr>
               <p:cNvPr id="20" name="TextBox 19"/>
@@ -8055,6 +9221,7 @@
                                 <a:lumOff val="35000"/>
                               </a:schemeClr>
                             </a:solidFill>
+                            <a:latin typeface="Cambria Math" panose="02040503050406030204" pitchFamily="18" charset="0"/>
                           </a:rPr>
                         </m:ctrlPr>
                       </m:sSubPr>
@@ -8067,6 +9234,7 @@
                                 <a:lumOff val="35000"/>
                               </a:schemeClr>
                             </a:solidFill>
+                            <a:latin typeface="Cambria Math" panose="02040503050406030204" pitchFamily="18" charset="0"/>
                           </a:rPr>
                           <m:t>𝑛</m:t>
                         </m:r>
@@ -8080,6 +9248,7 @@
                                 <a:lumOff val="35000"/>
                               </a:schemeClr>
                             </a:solidFill>
+                            <a:latin typeface="Cambria Math" panose="02040503050406030204" pitchFamily="18" charset="0"/>
                           </a:rPr>
                           <m:t>𝑅</m:t>
                         </m:r>
@@ -8093,6 +9262,7 @@
                             <a:lumOff val="35000"/>
                           </a:schemeClr>
                         </a:solidFill>
+                        <a:latin typeface="Cambria Math" panose="02040503050406030204" pitchFamily="18" charset="0"/>
                       </a:rPr>
                       <m:t>=</m:t>
                     </m:r>
@@ -8106,6 +9276,7 @@
                                 <a:lumOff val="35000"/>
                               </a:schemeClr>
                             </a:solidFill>
+                            <a:latin typeface="Cambria Math" panose="02040503050406030204" pitchFamily="18" charset="0"/>
                           </a:rPr>
                         </m:ctrlPr>
                       </m:sSubSupPr>
@@ -8118,6 +9289,7 @@
                                 <a:lumOff val="35000"/>
                               </a:schemeClr>
                             </a:solidFill>
+                            <a:latin typeface="Cambria Math" panose="02040503050406030204" pitchFamily="18" charset="0"/>
                           </a:rPr>
                           <m:t>𝒓</m:t>
                         </m:r>
@@ -8131,6 +9303,7 @@
                                 <a:lumOff val="35000"/>
                               </a:schemeClr>
                             </a:solidFill>
+                            <a:latin typeface="Cambria Math" panose="02040503050406030204" pitchFamily="18" charset="0"/>
                           </a:rPr>
                           <m:t>𝓁</m:t>
                         </m:r>
@@ -8142,6 +9315,7 @@
                                 <a:lumOff val="35000"/>
                               </a:schemeClr>
                             </a:solidFill>
+                            <a:latin typeface="Cambria Math" panose="02040503050406030204" pitchFamily="18" charset="0"/>
                           </a:rPr>
                           <m:t>,3</m:t>
                         </m:r>
@@ -8155,6 +9329,7 @@
                                 <a:lumOff val="35000"/>
                               </a:schemeClr>
                             </a:solidFill>
+                            <a:latin typeface="Cambria Math" panose="02040503050406030204" pitchFamily="18" charset="0"/>
                           </a:rPr>
                           <m:t>𝑇</m:t>
                         </m:r>
@@ -8168,6 +9343,7 @@
                             <a:lumOff val="35000"/>
                           </a:schemeClr>
                         </a:solidFill>
+                        <a:latin typeface="Cambria Math" panose="02040503050406030204" pitchFamily="18" charset="0"/>
                       </a:rPr>
                       <m:t>𝒍</m:t>
                     </m:r>
@@ -8191,7 +9367,7 @@
                     <m:sSub>
                       <m:sSubPr>
                         <m:ctrlPr>
-                          <a:rPr lang="en-US" b="0" i="0" smtClean="0">
+                          <a:rPr lang="en-US" b="0" i="1" smtClean="0">
                             <a:solidFill>
                               <a:schemeClr val="tx1">
                                 <a:lumMod val="65000"/>
@@ -8257,6 +9433,7 @@
                             <a:lumOff val="35000"/>
                           </a:schemeClr>
                         </a:solidFill>
+                        <a:latin typeface="Cambria Math" panose="02040503050406030204" pitchFamily="18" charset="0"/>
                       </a:rPr>
                       <m:t>𝑑𝑖𝑎𝑔</m:t>
                     </m:r>
@@ -8268,6 +9445,7 @@
                             <a:lumOff val="35000"/>
                           </a:schemeClr>
                         </a:solidFill>
+                        <a:latin typeface="Cambria Math" panose="02040503050406030204" pitchFamily="18" charset="0"/>
                       </a:rPr>
                       <m:t>(1, 1, </m:t>
                     </m:r>
@@ -8281,6 +9459,7 @@
                                 <a:lumOff val="35000"/>
                               </a:schemeClr>
                             </a:solidFill>
+                            <a:latin typeface="Cambria Math" panose="02040503050406030204" pitchFamily="18" charset="0"/>
                           </a:rPr>
                         </m:ctrlPr>
                       </m:sSubPr>
@@ -8293,6 +9472,7 @@
                                 <a:lumOff val="35000"/>
                               </a:schemeClr>
                             </a:solidFill>
+                            <a:latin typeface="Cambria Math" panose="02040503050406030204" pitchFamily="18" charset="0"/>
                           </a:rPr>
                           <m:t>𝑚</m:t>
                         </m:r>
@@ -8306,6 +9486,7 @@
                                 <a:lumOff val="35000"/>
                               </a:schemeClr>
                             </a:solidFill>
+                            <a:latin typeface="Cambria Math" panose="02040503050406030204" pitchFamily="18" charset="0"/>
                           </a:rPr>
                           <m:t>𝑝</m:t>
                         </m:r>
@@ -8319,6 +9500,7 @@
                             <a:lumOff val="35000"/>
                           </a:schemeClr>
                         </a:solidFill>
+                        <a:latin typeface="Cambria Math" panose="02040503050406030204" pitchFamily="18" charset="0"/>
                       </a:rPr>
                       <m:t>)</m:t>
                     </m:r>
@@ -8335,19 +9517,11 @@
                   </a:rPr>
                   <a:t> </a:t>
                 </a:r>
-                <a:endParaRPr lang="en-US">
-                  <a:solidFill>
-                    <a:schemeClr val="tx1">
-                      <a:lumMod val="65000"/>
-                      <a:lumOff val="35000"/>
-                    </a:schemeClr>
-                  </a:solidFill>
-                </a:endParaRPr>
               </a:p>
             </p:txBody>
           </p:sp>
         </mc:Choice>
-        <mc:Fallback>
+        <mc:Fallback xmlns="">
           <p:sp>
             <p:nvSpPr>
               <p:cNvPr id="20" name="TextBox 19"/>
@@ -8416,8 +9590,8 @@
           <a:chExt cx="0" cy="0"/>
         </a:xfrm>
       </p:grpSpPr>
-      <mc:AlternateContent xmlns:mc="http://schemas.openxmlformats.org/markup-compatibility/2006">
-        <mc:Choice xmlns:a14="http://schemas.microsoft.com/office/drawing/2010/main" Requires="a14">
+      <mc:AlternateContent xmlns:mc="http://schemas.openxmlformats.org/markup-compatibility/2006" xmlns:a14="http://schemas.microsoft.com/office/drawing/2010/main">
+        <mc:Choice Requires="a14">
           <p:sp>
             <p:nvSpPr>
               <p:cNvPr id="32" name="TextBox 31" hidden="1"/>
@@ -8440,6 +9614,7 @@
               </a:bodyPr>
               <a:lstStyle/>
               <a:p>
+                <a:pPr/>
                 <a14:m>
                   <m:oMathPara xmlns:m="http://schemas.openxmlformats.org/officeDocument/2006/math">
                     <m:oMathParaPr>
@@ -8462,7 +9637,7 @@
             </p:txBody>
           </p:sp>
         </mc:Choice>
-        <mc:Fallback>
+        <mc:Fallback xmlns="">
           <p:sp>
             <p:nvSpPr>
               <p:cNvPr id="32" name="TextBox 31" hidden="1"/>
@@ -8501,8 +9676,8 @@
           </p:sp>
         </mc:Fallback>
       </mc:AlternateContent>
-      <mc:AlternateContent xmlns:mc="http://schemas.openxmlformats.org/markup-compatibility/2006">
-        <mc:Choice xmlns:a14="http://schemas.microsoft.com/office/drawing/2010/main" Requires="a14">
+      <mc:AlternateContent xmlns:mc="http://schemas.openxmlformats.org/markup-compatibility/2006" xmlns:a14="http://schemas.microsoft.com/office/drawing/2010/main">
+        <mc:Choice Requires="a14">
           <p:sp>
             <p:nvSpPr>
               <p:cNvPr id="33" name="TextBox 32" hidden="1"/>
@@ -8560,7 +9735,7 @@
             </p:txBody>
           </p:sp>
         </mc:Choice>
-        <mc:Fallback>
+        <mc:Fallback xmlns="">
           <p:sp>
             <p:nvSpPr>
               <p:cNvPr id="33" name="TextBox 32" hidden="1"/>
@@ -8704,8 +9879,8 @@
           </a:p>
         </p:txBody>
       </p:sp>
-      <mc:AlternateContent xmlns:mc="http://schemas.openxmlformats.org/markup-compatibility/2006">
-        <mc:Choice xmlns:a14="http://schemas.microsoft.com/office/drawing/2010/main" Requires="a14">
+      <mc:AlternateContent xmlns:mc="http://schemas.openxmlformats.org/markup-compatibility/2006" xmlns:a14="http://schemas.microsoft.com/office/drawing/2010/main">
+        <mc:Choice Requires="a14">
           <p:sp>
             <p:nvSpPr>
               <p:cNvPr id="66" name="TextBox 65" hidden="1"/>
@@ -8737,6 +9912,7 @@
                 </a:lvl1pPr>
               </a:lstStyle>
               <a:p>
+                <a:pPr/>
                 <a14:m>
                   <m:oMathPara xmlns:m="http://schemas.openxmlformats.org/officeDocument/2006/math">
                     <m:oMathParaPr>
@@ -8746,18 +9922,24 @@
                       <m:sSub>
                         <m:sSubPr>
                           <m:ctrlPr>
-                            <a:rPr lang="en-US"/>
+                            <a:rPr lang="en-US" i="1">
+                              <a:latin typeface="Cambria Math" panose="02040503050406030204" pitchFamily="18" charset="0"/>
+                            </a:rPr>
                           </m:ctrlPr>
                         </m:sSubPr>
                         <m:e>
                           <m:r>
-                            <a:rPr lang="en-US"/>
+                            <a:rPr lang="en-US">
+                              <a:latin typeface="Cambria Math" panose="02040503050406030204" pitchFamily="18" charset="0"/>
+                            </a:rPr>
                             <m:t>𝛼</m:t>
                           </m:r>
                         </m:e>
                         <m:sub>
                           <m:r>
-                            <a:rPr lang="en-US"/>
+                            <a:rPr lang="en-US">
+                              <a:latin typeface="Cambria Math" panose="02040503050406030204" pitchFamily="18" charset="0"/>
+                            </a:rPr>
                             <m:t> </m:t>
                           </m:r>
                         </m:sub>
@@ -8770,7 +9952,7 @@
             </p:txBody>
           </p:sp>
         </mc:Choice>
-        <mc:Fallback>
+        <mc:Fallback xmlns="">
           <p:sp>
             <p:nvSpPr>
               <p:cNvPr id="66" name="TextBox 65" hidden="1"/>
@@ -8809,8 +9991,8 @@
           </p:sp>
         </mc:Fallback>
       </mc:AlternateContent>
-      <mc:AlternateContent xmlns:mc="http://schemas.openxmlformats.org/markup-compatibility/2006">
-        <mc:Choice xmlns:a14="http://schemas.microsoft.com/office/drawing/2010/main" Requires="a14">
+      <mc:AlternateContent xmlns:mc="http://schemas.openxmlformats.org/markup-compatibility/2006" xmlns:a14="http://schemas.microsoft.com/office/drawing/2010/main">
+        <mc:Choice Requires="a14">
           <p:sp>
             <p:nvSpPr>
               <p:cNvPr id="71" name="ImagePlaneFrameCenter" hidden="1"/>
@@ -8877,7 +10059,7 @@
             </p:txBody>
           </p:sp>
         </mc:Choice>
-        <mc:Fallback>
+        <mc:Fallback xmlns="">
           <p:sp>
             <p:nvSpPr>
               <p:cNvPr id="71" name="ImagePlaneFrameCenter" hidden="1"/>
@@ -9019,8 +10201,8 @@
             </a:p>
           </p:txBody>
         </p:sp>
-        <mc:AlternateContent xmlns:mc="http://schemas.openxmlformats.org/markup-compatibility/2006">
-          <mc:Choice xmlns:a14="http://schemas.microsoft.com/office/drawing/2010/main" Requires="a14">
+        <mc:AlternateContent xmlns:mc="http://schemas.openxmlformats.org/markup-compatibility/2006" xmlns:a14="http://schemas.microsoft.com/office/drawing/2010/main">
+          <mc:Choice Requires="a14">
             <p:sp>
               <p:nvSpPr>
                 <p:cNvPr id="210" name="Rectangle 209"/>
@@ -9042,6 +10224,7 @@
                 </a:bodyPr>
                 <a:lstStyle/>
                 <a:p>
+                  <a:pPr/>
                   <a14:m>
                     <m:oMathPara xmlns:m="http://schemas.openxmlformats.org/officeDocument/2006/math">
                       <m:oMathParaPr>
@@ -9051,7 +10234,7 @@
                         <m:eqArr>
                           <m:eqArrPr>
                             <m:ctrlPr>
-                              <a:rPr lang="en-US" smtClean="0">
+                              <a:rPr lang="en-US" i="1" smtClean="0">
                                 <a:latin typeface="Cambria Math" panose="02040503050406030204" pitchFamily="18" charset="0"/>
                               </a:rPr>
                             </m:ctrlPr>
@@ -10138,7 +11321,7 @@
               </p:txBody>
             </p:sp>
           </mc:Choice>
-          <mc:Fallback>
+          <mc:Fallback xmlns="">
             <p:sp>
               <p:nvSpPr>
                 <p:cNvPr id="210" name="Rectangle 209"/>
@@ -10645,8 +11828,8 @@
             </a:p>
           </p:txBody>
         </p:sp>
-        <mc:AlternateContent xmlns:mc="http://schemas.openxmlformats.org/markup-compatibility/2006">
-          <mc:Choice xmlns:a14="http://schemas.microsoft.com/office/drawing/2010/main" Requires="a14">
+        <mc:AlternateContent xmlns:mc="http://schemas.openxmlformats.org/markup-compatibility/2006" xmlns:a14="http://schemas.microsoft.com/office/drawing/2010/main">
+          <mc:Choice Requires="a14">
             <p:sp>
               <p:nvSpPr>
                 <p:cNvPr id="11" name="TextBox 10"/>
@@ -10737,7 +11920,7 @@
               </p:txBody>
             </p:sp>
           </mc:Choice>
-          <mc:Fallback>
+          <mc:Fallback xmlns="">
             <p:sp>
               <p:nvSpPr>
                 <p:cNvPr id="11" name="TextBox 10"/>
@@ -10776,8 +11959,8 @@
             </p:sp>
           </mc:Fallback>
         </mc:AlternateContent>
-        <mc:AlternateContent xmlns:mc="http://schemas.openxmlformats.org/markup-compatibility/2006">
-          <mc:Choice xmlns:a14="http://schemas.microsoft.com/office/drawing/2010/main" Requires="a14">
+        <mc:AlternateContent xmlns:mc="http://schemas.openxmlformats.org/markup-compatibility/2006" xmlns:a14="http://schemas.microsoft.com/office/drawing/2010/main">
+          <mc:Choice Requires="a14">
             <p:sp>
               <p:nvSpPr>
                 <p:cNvPr id="12" name="TextBox 11"/>
@@ -10868,7 +12051,7 @@
               </p:txBody>
             </p:sp>
           </mc:Choice>
-          <mc:Fallback>
+          <mc:Fallback xmlns="">
             <p:sp>
               <p:nvSpPr>
                 <p:cNvPr id="12" name="TextBox 11"/>
@@ -10947,8 +12130,8 @@
             </a:fontRef>
           </p:style>
         </p:cxnSp>
-        <mc:AlternateContent xmlns:mc="http://schemas.openxmlformats.org/markup-compatibility/2006">
-          <mc:Choice xmlns:a14="http://schemas.microsoft.com/office/drawing/2010/main" Requires="a14">
+        <mc:AlternateContent xmlns:mc="http://schemas.openxmlformats.org/markup-compatibility/2006" xmlns:a14="http://schemas.microsoft.com/office/drawing/2010/main">
+          <mc:Choice Requires="a14">
             <p:sp>
               <p:nvSpPr>
                 <p:cNvPr id="22" name="TextBox NormalToImagePlane"/>
@@ -11039,7 +12222,7 @@
               </p:txBody>
             </p:sp>
           </mc:Choice>
-          <mc:Fallback>
+          <mc:Fallback xmlns="">
             <p:sp>
               <p:nvSpPr>
                 <p:cNvPr id="22" name="TextBox NormalToImagePlane"/>
@@ -11281,8 +12464,8 @@
             </a:fontRef>
           </p:style>
         </p:cxnSp>
-        <mc:AlternateContent xmlns:mc="http://schemas.openxmlformats.org/markup-compatibility/2006">
-          <mc:Choice xmlns:a14="http://schemas.microsoft.com/office/drawing/2010/main" Requires="a14">
+        <mc:AlternateContent xmlns:mc="http://schemas.openxmlformats.org/markup-compatibility/2006" xmlns:a14="http://schemas.microsoft.com/office/drawing/2010/main">
+          <mc:Choice Requires="a14">
             <p:sp>
               <p:nvSpPr>
                 <p:cNvPr id="29" name="Text Box 15"/>
@@ -11365,7 +12548,7 @@
               </p:txBody>
             </p:sp>
           </mc:Choice>
-          <mc:Fallback>
+          <mc:Fallback xmlns="">
             <p:sp>
               <p:nvSpPr>
                 <p:cNvPr id="29" name="Text Box 15"/>
@@ -11408,8 +12591,8 @@
             </p:sp>
           </mc:Fallback>
         </mc:AlternateContent>
-        <mc:AlternateContent xmlns:mc="http://schemas.openxmlformats.org/markup-compatibility/2006">
-          <mc:Choice xmlns:a14="http://schemas.microsoft.com/office/drawing/2010/main" Requires="a14">
+        <mc:AlternateContent xmlns:mc="http://schemas.openxmlformats.org/markup-compatibility/2006" xmlns:a14="http://schemas.microsoft.com/office/drawing/2010/main">
+          <mc:Choice Requires="a14">
             <p:sp>
               <p:nvSpPr>
                 <p:cNvPr id="30" name="Text Box 15"/>
@@ -11506,7 +12689,7 @@
               </p:txBody>
             </p:sp>
           </mc:Choice>
-          <mc:Fallback>
+          <mc:Fallback xmlns="">
             <p:sp>
               <p:nvSpPr>
                 <p:cNvPr id="30" name="Text Box 15"/>
@@ -11597,8 +12780,8 @@
             </a:p>
           </p:txBody>
         </p:sp>
-        <mc:AlternateContent xmlns:mc="http://schemas.openxmlformats.org/markup-compatibility/2006">
-          <mc:Choice xmlns:a14="http://schemas.microsoft.com/office/drawing/2010/main" Requires="a14">
+        <mc:AlternateContent xmlns:mc="http://schemas.openxmlformats.org/markup-compatibility/2006" xmlns:a14="http://schemas.microsoft.com/office/drawing/2010/main">
+          <mc:Choice Requires="a14">
             <p:sp>
               <p:nvSpPr>
                 <p:cNvPr id="36" name="TextBox 35"/>
@@ -11649,7 +12832,7 @@
               </p:txBody>
             </p:sp>
           </mc:Choice>
-          <mc:Fallback>
+          <mc:Fallback xmlns="">
             <p:sp>
               <p:nvSpPr>
                 <p:cNvPr id="36" name="TextBox 35"/>
@@ -11688,8 +12871,8 @@
             </p:sp>
           </mc:Fallback>
         </mc:AlternateContent>
-        <mc:AlternateContent xmlns:mc="http://schemas.openxmlformats.org/markup-compatibility/2006">
-          <mc:Choice xmlns:a14="http://schemas.microsoft.com/office/drawing/2010/main" Requires="a14">
+        <mc:AlternateContent xmlns:mc="http://schemas.openxmlformats.org/markup-compatibility/2006" xmlns:a14="http://schemas.microsoft.com/office/drawing/2010/main">
+          <mc:Choice Requires="a14">
             <p:sp>
               <p:nvSpPr>
                 <p:cNvPr id="37" name="TextBox 36"/>
@@ -11739,6 +12922,7 @@
                                 <a:solidFill>
                                   <a:srgbClr val="F52080"/>
                                 </a:solidFill>
+                                <a:latin typeface="Cambria Math" panose="02040503050406030204" pitchFamily="18" charset="0"/>
                               </a:rPr>
                             </m:ctrlPr>
                           </m:accPr>
@@ -11748,6 +12932,7 @@
                                 <a:solidFill>
                                   <a:srgbClr val="F52080"/>
                                 </a:solidFill>
+                                <a:latin typeface="Cambria Math" panose="02040503050406030204" pitchFamily="18" charset="0"/>
                               </a:rPr>
                               <m:t>𝒍</m:t>
                             </m:r>
@@ -11761,7 +12946,7 @@
               </p:txBody>
             </p:sp>
           </mc:Choice>
-          <mc:Fallback>
+          <mc:Fallback xmlns="">
             <p:sp>
               <p:nvSpPr>
                 <p:cNvPr id="37" name="TextBox 36"/>
@@ -12327,8 +13512,8 @@
             </p:style>
           </p:cxnSp>
         </p:grpSp>
-        <mc:AlternateContent xmlns:mc="http://schemas.openxmlformats.org/markup-compatibility/2006">
-          <mc:Choice xmlns:a14="http://schemas.microsoft.com/office/drawing/2010/main" Requires="a14">
+        <mc:AlternateContent xmlns:mc="http://schemas.openxmlformats.org/markup-compatibility/2006" xmlns:a14="http://schemas.microsoft.com/office/drawing/2010/main">
+          <mc:Choice Requires="a14">
             <p:sp>
               <p:nvSpPr>
                 <p:cNvPr id="50" name="TextBox 49"/>
@@ -12413,7 +13598,7 @@
               </p:txBody>
             </p:sp>
           </mc:Choice>
-          <mc:Fallback>
+          <mc:Fallback xmlns="">
             <p:sp>
               <p:nvSpPr>
                 <p:cNvPr id="50" name="TextBox 49"/>
@@ -12452,8 +13637,8 @@
             </p:sp>
           </mc:Fallback>
         </mc:AlternateContent>
-        <mc:AlternateContent xmlns:mc="http://schemas.openxmlformats.org/markup-compatibility/2006">
-          <mc:Choice xmlns:a14="http://schemas.microsoft.com/office/drawing/2010/main" Requires="a14">
+        <mc:AlternateContent xmlns:mc="http://schemas.openxmlformats.org/markup-compatibility/2006" xmlns:a14="http://schemas.microsoft.com/office/drawing/2010/main">
+          <mc:Choice Requires="a14">
             <p:sp>
               <p:nvSpPr>
                 <p:cNvPr id="51" name="TextBox 50"/>
@@ -12568,7 +13753,7 @@
               </p:txBody>
             </p:sp>
           </mc:Choice>
-          <mc:Fallback>
+          <mc:Fallback xmlns="">
             <p:sp>
               <p:nvSpPr>
                 <p:cNvPr id="51" name="TextBox 50"/>
@@ -12607,8 +13792,8 @@
             </p:sp>
           </mc:Fallback>
         </mc:AlternateContent>
-        <mc:AlternateContent xmlns:mc="http://schemas.openxmlformats.org/markup-compatibility/2006">
-          <mc:Choice xmlns:a14="http://schemas.microsoft.com/office/drawing/2010/main" Requires="a14">
+        <mc:AlternateContent xmlns:mc="http://schemas.openxmlformats.org/markup-compatibility/2006" xmlns:a14="http://schemas.microsoft.com/office/drawing/2010/main">
+          <mc:Choice Requires="a14">
             <p:sp>
               <p:nvSpPr>
                 <p:cNvPr id="52" name="TextBox - z_o prime"/>
@@ -12691,7 +13876,7 @@
               </p:txBody>
             </p:sp>
           </mc:Choice>
-          <mc:Fallback>
+          <mc:Fallback xmlns="">
             <p:sp>
               <p:nvSpPr>
                 <p:cNvPr id="52" name="TextBox - z_o prime"/>
@@ -13066,8 +14251,8 @@
             </a:p>
           </p:txBody>
         </p:sp>
-        <mc:AlternateContent xmlns:mc="http://schemas.openxmlformats.org/markup-compatibility/2006">
-          <mc:Choice xmlns:a14="http://schemas.microsoft.com/office/drawing/2010/main" Requires="a14">
+        <mc:AlternateContent xmlns:mc="http://schemas.openxmlformats.org/markup-compatibility/2006" xmlns:a14="http://schemas.microsoft.com/office/drawing/2010/main">
+          <mc:Choice Requires="a14">
             <p:sp>
               <p:nvSpPr>
                 <p:cNvPr id="305" name="Rectangle 304"/>
@@ -13089,6 +14274,7 @@
                 </a:bodyPr>
                 <a:lstStyle/>
                 <a:p>
+                  <a:pPr/>
                   <a14:m>
                     <m:oMathPara xmlns:m="http://schemas.openxmlformats.org/officeDocument/2006/math">
                       <m:oMathParaPr>
@@ -13110,12 +14296,12 @@
                       </m:oMath>
                     </m:oMathPara>
                   </a14:m>
-                  <a:endParaRPr lang="en-US" sz="1900"/>
+                  <a:endParaRPr lang="en-US" sz="1900" dirty="0"/>
                 </a:p>
               </p:txBody>
             </p:sp>
           </mc:Choice>
-          <mc:Fallback>
+          <mc:Fallback xmlns="">
             <p:sp>
               <p:nvSpPr>
                 <p:cNvPr id="305" name="Rectangle 304"/>
@@ -13272,8 +14458,8 @@
                 </a:fontRef>
               </p:style>
             </p:cxnSp>
-            <mc:AlternateContent xmlns:mc="http://schemas.openxmlformats.org/markup-compatibility/2006">
-              <mc:Choice xmlns:a14="http://schemas.microsoft.com/office/drawing/2010/main" Requires="a14">
+            <mc:AlternateContent xmlns:mc="http://schemas.openxmlformats.org/markup-compatibility/2006" xmlns:a14="http://schemas.microsoft.com/office/drawing/2010/main">
+              <mc:Choice Requires="a14">
                 <p:sp>
                   <p:nvSpPr>
                     <p:cNvPr id="313" name="TextBox 312"/>
@@ -13364,7 +14550,7 @@
                   </p:txBody>
                 </p:sp>
               </mc:Choice>
-              <mc:Fallback>
+              <mc:Fallback xmlns="">
                 <p:sp>
                   <p:nvSpPr>
                     <p:cNvPr id="313" name="TextBox 312"/>
@@ -13403,8 +14589,8 @@
                 </p:sp>
               </mc:Fallback>
             </mc:AlternateContent>
-            <mc:AlternateContent xmlns:mc="http://schemas.openxmlformats.org/markup-compatibility/2006">
-              <mc:Choice xmlns:a14="http://schemas.microsoft.com/office/drawing/2010/main" Requires="a14">
+            <mc:AlternateContent xmlns:mc="http://schemas.openxmlformats.org/markup-compatibility/2006" xmlns:a14="http://schemas.microsoft.com/office/drawing/2010/main">
+              <mc:Choice Requires="a14">
                 <p:sp>
                   <p:nvSpPr>
                     <p:cNvPr id="314" name="TextBox 313"/>
@@ -13495,7 +14681,7 @@
                   </p:txBody>
                 </p:sp>
               </mc:Choice>
-              <mc:Fallback>
+              <mc:Fallback xmlns="">
                 <p:sp>
                   <p:nvSpPr>
                     <p:cNvPr id="314" name="TextBox 313"/>
@@ -13535,8 +14721,8 @@
               </mc:Fallback>
             </mc:AlternateContent>
           </p:grpSp>
-          <mc:AlternateContent xmlns:mc="http://schemas.openxmlformats.org/markup-compatibility/2006">
-            <mc:Choice xmlns:a14="http://schemas.microsoft.com/office/drawing/2010/main" Requires="a14">
+          <mc:AlternateContent xmlns:mc="http://schemas.openxmlformats.org/markup-compatibility/2006" xmlns:a14="http://schemas.microsoft.com/office/drawing/2010/main">
+            <mc:Choice Requires="a14">
               <p:sp>
                 <p:nvSpPr>
                   <p:cNvPr id="310" name="TextBox 309" hidden="1"/>
@@ -13593,7 +14779,7 @@
                 </p:txBody>
               </p:sp>
             </mc:Choice>
-            <mc:Fallback>
+            <mc:Fallback xmlns="">
               <p:sp>
                 <p:nvSpPr>
                   <p:cNvPr id="310" name="TextBox 309" hidden="1"/>
@@ -13851,8 +15037,8 @@
             </p:txBody>
           </p:sp>
         </p:grpSp>
-        <mc:AlternateContent xmlns:mc="http://schemas.openxmlformats.org/markup-compatibility/2006">
-          <mc:Choice xmlns:a14="http://schemas.microsoft.com/office/drawing/2010/main" Requires="a14">
+        <mc:AlternateContent xmlns:mc="http://schemas.openxmlformats.org/markup-compatibility/2006" xmlns:a14="http://schemas.microsoft.com/office/drawing/2010/main">
+          <mc:Choice Requires="a14">
             <p:sp>
               <p:nvSpPr>
                 <p:cNvPr id="322" name="Rectangle 321"/>
@@ -13874,6 +15060,7 @@
                 </a:bodyPr>
                 <a:lstStyle/>
                 <a:p>
+                  <a:pPr/>
                   <a14:m>
                     <m:oMathPara xmlns:m="http://schemas.openxmlformats.org/officeDocument/2006/math">
                       <m:oMathParaPr>
@@ -13911,7 +15098,7 @@
                       </m:oMath>
                     </m:oMathPara>
                   </a14:m>
-                  <a:endParaRPr lang="en-US" sz="1900">
+                  <a:endParaRPr lang="en-US" sz="1900" dirty="0">
                     <a:solidFill>
                       <a:srgbClr val="00B050"/>
                     </a:solidFill>
@@ -13920,7 +15107,7 @@
               </p:txBody>
             </p:sp>
           </mc:Choice>
-          <mc:Fallback>
+          <mc:Fallback xmlns="">
             <p:sp>
               <p:nvSpPr>
                 <p:cNvPr id="322" name="Rectangle 321"/>
@@ -14565,16 +15752,12 @@
               <a:lstStyle/>
               <a:p>
                 <a:r>
-                  <a:rPr lang="en-US" sz="1400">
+                  <a:rPr lang="en-US" sz="1400" dirty="0">
                     <a:latin typeface="Times New Roman" panose="02020603050405020304" pitchFamily="18" charset="0"/>
                     <a:cs typeface="Times New Roman" panose="02020603050405020304" pitchFamily="18" charset="0"/>
                   </a:rPr>
                   <a:t>Image plane</a:t>
                 </a:r>
-                <a:endParaRPr lang="en-US" sz="1400" dirty="0">
-                  <a:latin typeface="Times New Roman" panose="02020603050405020304" pitchFamily="18" charset="0"/>
-                  <a:cs typeface="Times New Roman" panose="02020603050405020304" pitchFamily="18" charset="0"/>
-                </a:endParaRPr>
               </a:p>
             </p:txBody>
           </p:sp>
